--- a/课件.pptx
+++ b/课件.pptx
@@ -3321,6 +3321,1465 @@
           <a:chExt cx="0" cy="0"/>
         </a:xfrm>
       </p:grpSpPr>
+      <p:sp>
+        <p:nvSpPr>
+          <p:cNvPr id="11" name="矩形: 圆角 10">
+            <a:extLst>
+              <a:ext uri="{FF2B5EF4-FFF2-40B4-BE49-F238E27FC236}">
+                <a16:creationId xmlns:a16="http://schemas.microsoft.com/office/drawing/2014/main" id="{C852C899-010F-4786-95A8-7EDC3F1886CA}"/>
+              </a:ext>
+            </a:extLst>
+          </p:cNvPr>
+          <p:cNvSpPr/>
+          <p:nvPr/>
+        </p:nvSpPr>
+        <p:spPr>
+          <a:xfrm>
+            <a:off x="1036164" y="1037790"/>
+            <a:ext cx="1340176" cy="575035"/>
+          </a:xfrm>
+          <a:prstGeom prst="roundRect">
+            <a:avLst/>
+          </a:prstGeom>
+          <a:solidFill>
+            <a:schemeClr val="accent2"/>
+          </a:solidFill>
+          <a:ln>
+            <a:solidFill>
+              <a:schemeClr val="accent2">
+                <a:lumMod val="75000"/>
+              </a:schemeClr>
+            </a:solidFill>
+          </a:ln>
+        </p:spPr>
+        <p:style>
+          <a:lnRef idx="2">
+            <a:schemeClr val="accent1">
+              <a:shade val="50000"/>
+            </a:schemeClr>
+          </a:lnRef>
+          <a:fillRef idx="1">
+            <a:schemeClr val="accent1"/>
+          </a:fillRef>
+          <a:effectRef idx="0">
+            <a:schemeClr val="accent1"/>
+          </a:effectRef>
+          <a:fontRef idx="minor">
+            <a:schemeClr val="lt1"/>
+          </a:fontRef>
+        </p:style>
+        <p:txBody>
+          <a:bodyPr rtlCol="0" anchor="ctr"/>
+          <a:lstStyle/>
+          <a:p>
+            <a:pPr algn="ctr"/>
+            <a:r>
+              <a:rPr lang="en-US" altLang="zh-CN"/>
+              <a:t>main</a:t>
+            </a:r>
+            <a:endParaRPr lang="zh-CN" altLang="en-US"/>
+          </a:p>
+        </p:txBody>
+      </p:sp>
+      <p:cxnSp>
+        <p:nvCxnSpPr>
+          <p:cNvPr id="30" name="直接箭头连接符 29">
+            <a:extLst>
+              <a:ext uri="{FF2B5EF4-FFF2-40B4-BE49-F238E27FC236}">
+                <a16:creationId xmlns:a16="http://schemas.microsoft.com/office/drawing/2014/main" id="{74BAA3F8-480F-4493-85D7-722B862F8E30}"/>
+              </a:ext>
+            </a:extLst>
+          </p:cNvPr>
+          <p:cNvCxnSpPr>
+            <a:cxnSpLocks/>
+          </p:cNvCxnSpPr>
+          <p:nvPr/>
+        </p:nvCxnSpPr>
+        <p:spPr>
+          <a:xfrm>
+            <a:off x="1706252" y="362087"/>
+            <a:ext cx="0" cy="579748"/>
+          </a:xfrm>
+          <a:prstGeom prst="straightConnector1">
+            <a:avLst/>
+          </a:prstGeom>
+          <a:ln w="38100">
+            <a:tailEnd type="triangle"/>
+          </a:ln>
+        </p:spPr>
+        <p:style>
+          <a:lnRef idx="1">
+            <a:schemeClr val="accent1"/>
+          </a:lnRef>
+          <a:fillRef idx="0">
+            <a:schemeClr val="accent1"/>
+          </a:fillRef>
+          <a:effectRef idx="0">
+            <a:schemeClr val="accent1"/>
+          </a:effectRef>
+          <a:fontRef idx="minor">
+            <a:schemeClr val="tx1"/>
+          </a:fontRef>
+        </p:style>
+      </p:cxnSp>
+      <p:cxnSp>
+        <p:nvCxnSpPr>
+          <p:cNvPr id="32" name="直接箭头连接符 31">
+            <a:extLst>
+              <a:ext uri="{FF2B5EF4-FFF2-40B4-BE49-F238E27FC236}">
+                <a16:creationId xmlns:a16="http://schemas.microsoft.com/office/drawing/2014/main" id="{61022FD6-BE2B-441B-8961-4F307E75ACA7}"/>
+              </a:ext>
+            </a:extLst>
+          </p:cNvPr>
+          <p:cNvCxnSpPr>
+            <a:cxnSpLocks/>
+          </p:cNvCxnSpPr>
+          <p:nvPr/>
+        </p:nvCxnSpPr>
+        <p:spPr>
+          <a:xfrm>
+            <a:off x="1706252" y="1773751"/>
+            <a:ext cx="0" cy="579748"/>
+          </a:xfrm>
+          <a:prstGeom prst="straightConnector1">
+            <a:avLst/>
+          </a:prstGeom>
+          <a:ln w="38100">
+            <a:tailEnd type="triangle"/>
+          </a:ln>
+        </p:spPr>
+        <p:style>
+          <a:lnRef idx="1">
+            <a:schemeClr val="accent1"/>
+          </a:lnRef>
+          <a:fillRef idx="0">
+            <a:schemeClr val="accent1"/>
+          </a:fillRef>
+          <a:effectRef idx="0">
+            <a:schemeClr val="accent1"/>
+          </a:effectRef>
+          <a:fontRef idx="minor">
+            <a:schemeClr val="tx1"/>
+          </a:fontRef>
+        </p:style>
+      </p:cxnSp>
+      <p:sp>
+        <p:nvSpPr>
+          <p:cNvPr id="33" name="椭圆 32">
+            <a:extLst>
+              <a:ext uri="{FF2B5EF4-FFF2-40B4-BE49-F238E27FC236}">
+                <a16:creationId xmlns:a16="http://schemas.microsoft.com/office/drawing/2014/main" id="{471535E3-17C6-4CF3-9746-BD5D3632AFF7}"/>
+              </a:ext>
+            </a:extLst>
+          </p:cNvPr>
+          <p:cNvSpPr/>
+          <p:nvPr/>
+        </p:nvSpPr>
+        <p:spPr>
+          <a:xfrm>
+            <a:off x="1121790" y="2362928"/>
+            <a:ext cx="1168924" cy="1168924"/>
+          </a:xfrm>
+          <a:prstGeom prst="ellipse">
+            <a:avLst/>
+          </a:prstGeom>
+        </p:spPr>
+        <p:style>
+          <a:lnRef idx="2">
+            <a:schemeClr val="accent1">
+              <a:shade val="50000"/>
+            </a:schemeClr>
+          </a:lnRef>
+          <a:fillRef idx="1">
+            <a:schemeClr val="accent1"/>
+          </a:fillRef>
+          <a:effectRef idx="0">
+            <a:schemeClr val="accent1"/>
+          </a:effectRef>
+          <a:fontRef idx="minor">
+            <a:schemeClr val="lt1"/>
+          </a:fontRef>
+        </p:style>
+        <p:txBody>
+          <a:bodyPr rtlCol="0" anchor="ctr"/>
+          <a:lstStyle/>
+          <a:p>
+            <a:pPr algn="ctr"/>
+            <a:r>
+              <a:rPr lang="en-US" altLang="zh-CN"/>
+              <a:t>event loop?</a:t>
+            </a:r>
+            <a:endParaRPr lang="zh-CN" altLang="en-US"/>
+          </a:p>
+        </p:txBody>
+      </p:sp>
+      <p:cxnSp>
+        <p:nvCxnSpPr>
+          <p:cNvPr id="34" name="直接箭头连接符 33">
+            <a:extLst>
+              <a:ext uri="{FF2B5EF4-FFF2-40B4-BE49-F238E27FC236}">
+                <a16:creationId xmlns:a16="http://schemas.microsoft.com/office/drawing/2014/main" id="{F2872038-FF24-4F5D-9C67-19B644149595}"/>
+              </a:ext>
+            </a:extLst>
+          </p:cNvPr>
+          <p:cNvCxnSpPr>
+            <a:cxnSpLocks/>
+          </p:cNvCxnSpPr>
+          <p:nvPr/>
+        </p:nvCxnSpPr>
+        <p:spPr>
+          <a:xfrm>
+            <a:off x="1706252" y="3703889"/>
+            <a:ext cx="0" cy="928541"/>
+          </a:xfrm>
+          <a:prstGeom prst="straightConnector1">
+            <a:avLst/>
+          </a:prstGeom>
+          <a:ln w="38100">
+            <a:tailEnd type="triangle"/>
+          </a:ln>
+        </p:spPr>
+        <p:style>
+          <a:lnRef idx="1">
+            <a:schemeClr val="accent1"/>
+          </a:lnRef>
+          <a:fillRef idx="0">
+            <a:schemeClr val="accent1"/>
+          </a:fillRef>
+          <a:effectRef idx="0">
+            <a:schemeClr val="accent1"/>
+          </a:effectRef>
+          <a:fontRef idx="minor">
+            <a:schemeClr val="tx1"/>
+          </a:fontRef>
+        </p:style>
+      </p:cxnSp>
+      <p:sp>
+        <p:nvSpPr>
+          <p:cNvPr id="36" name="文本框 35">
+            <a:extLst>
+              <a:ext uri="{FF2B5EF4-FFF2-40B4-BE49-F238E27FC236}">
+                <a16:creationId xmlns:a16="http://schemas.microsoft.com/office/drawing/2014/main" id="{1098412E-5569-4D2B-8532-BE4E9ABE7268}"/>
+              </a:ext>
+            </a:extLst>
+          </p:cNvPr>
+          <p:cNvSpPr txBox="1"/>
+          <p:nvPr/>
+        </p:nvSpPr>
+        <p:spPr>
+          <a:xfrm>
+            <a:off x="1272535" y="3983493"/>
+            <a:ext cx="188536" cy="369332"/>
+          </a:xfrm>
+          <a:prstGeom prst="rect">
+            <a:avLst/>
+          </a:prstGeom>
+          <a:noFill/>
+        </p:spPr>
+        <p:txBody>
+          <a:bodyPr wrap="square" rtlCol="0">
+            <a:spAutoFit/>
+          </a:bodyPr>
+          <a:lstStyle/>
+          <a:p>
+            <a:r>
+              <a:rPr lang="zh-CN" altLang="en-US"/>
+              <a:t>否</a:t>
+            </a:r>
+          </a:p>
+        </p:txBody>
+      </p:sp>
+      <p:sp>
+        <p:nvSpPr>
+          <p:cNvPr id="37" name="椭圆 36">
+            <a:extLst>
+              <a:ext uri="{FF2B5EF4-FFF2-40B4-BE49-F238E27FC236}">
+                <a16:creationId xmlns:a16="http://schemas.microsoft.com/office/drawing/2014/main" id="{19B9C213-4CEC-427A-AED6-A8DC8D9FF163}"/>
+              </a:ext>
+            </a:extLst>
+          </p:cNvPr>
+          <p:cNvSpPr/>
+          <p:nvPr/>
+        </p:nvSpPr>
+        <p:spPr>
+          <a:xfrm>
+            <a:off x="1240718" y="4686806"/>
+            <a:ext cx="931068" cy="931068"/>
+          </a:xfrm>
+          <a:prstGeom prst="ellipse">
+            <a:avLst/>
+          </a:prstGeom>
+          <a:solidFill>
+            <a:srgbClr val="B40000"/>
+          </a:solidFill>
+          <a:ln>
+            <a:solidFill>
+              <a:srgbClr val="C00000"/>
+            </a:solidFill>
+          </a:ln>
+        </p:spPr>
+        <p:style>
+          <a:lnRef idx="2">
+            <a:schemeClr val="accent1">
+              <a:shade val="50000"/>
+            </a:schemeClr>
+          </a:lnRef>
+          <a:fillRef idx="1">
+            <a:schemeClr val="accent1"/>
+          </a:fillRef>
+          <a:effectRef idx="0">
+            <a:schemeClr val="accent1"/>
+          </a:effectRef>
+          <a:fontRef idx="minor">
+            <a:schemeClr val="lt1"/>
+          </a:fontRef>
+        </p:style>
+        <p:txBody>
+          <a:bodyPr rtlCol="0" anchor="ctr"/>
+          <a:lstStyle/>
+          <a:p>
+            <a:pPr algn="ctr"/>
+            <a:r>
+              <a:rPr lang="en-US" altLang="zh-CN"/>
+              <a:t>over</a:t>
+            </a:r>
+            <a:endParaRPr lang="zh-CN" altLang="en-US"/>
+          </a:p>
+        </p:txBody>
+      </p:sp>
+      <p:sp>
+        <p:nvSpPr>
+          <p:cNvPr id="40" name="任意多边形: 形状 39">
+            <a:extLst>
+              <a:ext uri="{FF2B5EF4-FFF2-40B4-BE49-F238E27FC236}">
+                <a16:creationId xmlns:a16="http://schemas.microsoft.com/office/drawing/2014/main" id="{B71CBC4A-0D33-4D4D-9CB2-746599ED35DB}"/>
+              </a:ext>
+            </a:extLst>
+          </p:cNvPr>
+          <p:cNvSpPr/>
+          <p:nvPr/>
+        </p:nvSpPr>
+        <p:spPr>
+          <a:xfrm>
+            <a:off x="2324911" y="1264596"/>
+            <a:ext cx="1391055" cy="1293778"/>
+          </a:xfrm>
+          <a:custGeom>
+            <a:avLst/>
+            <a:gdLst>
+              <a:gd name="connsiteX0" fmla="*/ 0 w 1391055"/>
+              <a:gd name="connsiteY0" fmla="*/ 1293778 h 1293778"/>
+              <a:gd name="connsiteX1" fmla="*/ 447472 w 1391055"/>
+              <a:gd name="connsiteY1" fmla="*/ 428017 h 1293778"/>
+              <a:gd name="connsiteX2" fmla="*/ 1391055 w 1391055"/>
+              <a:gd name="connsiteY2" fmla="*/ 0 h 1293778"/>
+            </a:gdLst>
+            <a:ahLst/>
+            <a:cxnLst>
+              <a:cxn ang="0">
+                <a:pos x="connsiteX0" y="connsiteY0"/>
+              </a:cxn>
+              <a:cxn ang="0">
+                <a:pos x="connsiteX1" y="connsiteY1"/>
+              </a:cxn>
+              <a:cxn ang="0">
+                <a:pos x="connsiteX2" y="connsiteY2"/>
+              </a:cxn>
+            </a:cxnLst>
+            <a:rect l="l" t="t" r="r" b="b"/>
+            <a:pathLst>
+              <a:path w="1391055" h="1293778">
+                <a:moveTo>
+                  <a:pt x="0" y="1293778"/>
+                </a:moveTo>
+                <a:cubicBezTo>
+                  <a:pt x="107815" y="968712"/>
+                  <a:pt x="215630" y="643647"/>
+                  <a:pt x="447472" y="428017"/>
+                </a:cubicBezTo>
+                <a:cubicBezTo>
+                  <a:pt x="679315" y="212387"/>
+                  <a:pt x="1220821" y="69715"/>
+                  <a:pt x="1391055" y="0"/>
+                </a:cubicBezTo>
+              </a:path>
+            </a:pathLst>
+          </a:custGeom>
+          <a:noFill/>
+          <a:ln w="38100">
+            <a:tailEnd type="triangle"/>
+          </a:ln>
+        </p:spPr>
+        <p:style>
+          <a:lnRef idx="2">
+            <a:schemeClr val="accent1">
+              <a:shade val="50000"/>
+            </a:schemeClr>
+          </a:lnRef>
+          <a:fillRef idx="1">
+            <a:schemeClr val="accent1"/>
+          </a:fillRef>
+          <a:effectRef idx="0">
+            <a:schemeClr val="accent1"/>
+          </a:effectRef>
+          <a:fontRef idx="minor">
+            <a:schemeClr val="lt1"/>
+          </a:fontRef>
+        </p:style>
+        <p:txBody>
+          <a:bodyPr rtlCol="0" anchor="ctr"/>
+          <a:lstStyle/>
+          <a:p>
+            <a:pPr algn="ctr"/>
+            <a:endParaRPr lang="zh-CN" altLang="en-US"/>
+          </a:p>
+        </p:txBody>
+      </p:sp>
+      <p:sp>
+        <p:nvSpPr>
+          <p:cNvPr id="41" name="椭圆 40">
+            <a:extLst>
+              <a:ext uri="{FF2B5EF4-FFF2-40B4-BE49-F238E27FC236}">
+                <a16:creationId xmlns:a16="http://schemas.microsoft.com/office/drawing/2014/main" id="{4DC9DEDE-6357-4FFE-AA75-033DAAC79573}"/>
+              </a:ext>
+            </a:extLst>
+          </p:cNvPr>
+          <p:cNvSpPr/>
+          <p:nvPr/>
+        </p:nvSpPr>
+        <p:spPr>
+          <a:xfrm>
+            <a:off x="3835789" y="651961"/>
+            <a:ext cx="1168924" cy="1168924"/>
+          </a:xfrm>
+          <a:prstGeom prst="ellipse">
+            <a:avLst/>
+          </a:prstGeom>
+          <a:solidFill>
+            <a:schemeClr val="tx1">
+              <a:lumMod val="65000"/>
+              <a:lumOff val="35000"/>
+            </a:schemeClr>
+          </a:solidFill>
+        </p:spPr>
+        <p:style>
+          <a:lnRef idx="2">
+            <a:schemeClr val="accent1">
+              <a:shade val="50000"/>
+            </a:schemeClr>
+          </a:lnRef>
+          <a:fillRef idx="1">
+            <a:schemeClr val="accent1"/>
+          </a:fillRef>
+          <a:effectRef idx="0">
+            <a:schemeClr val="accent1"/>
+          </a:effectRef>
+          <a:fontRef idx="minor">
+            <a:schemeClr val="lt1"/>
+          </a:fontRef>
+        </p:style>
+        <p:txBody>
+          <a:bodyPr rtlCol="0" anchor="ctr"/>
+          <a:lstStyle/>
+          <a:p>
+            <a:pPr algn="ctr"/>
+            <a:r>
+              <a:rPr lang="en-US" altLang="zh-CN"/>
+              <a:t>timers</a:t>
+            </a:r>
+            <a:endParaRPr lang="zh-CN" altLang="en-US"/>
+          </a:p>
+        </p:txBody>
+      </p:sp>
+      <p:sp>
+        <p:nvSpPr>
+          <p:cNvPr id="42" name="椭圆 41">
+            <a:extLst>
+              <a:ext uri="{FF2B5EF4-FFF2-40B4-BE49-F238E27FC236}">
+                <a16:creationId xmlns:a16="http://schemas.microsoft.com/office/drawing/2014/main" id="{2BF1799F-C042-4379-B44E-D5AC01F5CB5D}"/>
+              </a:ext>
+            </a:extLst>
+          </p:cNvPr>
+          <p:cNvSpPr/>
+          <p:nvPr/>
+        </p:nvSpPr>
+        <p:spPr>
+          <a:xfrm>
+            <a:off x="5588470" y="944574"/>
+            <a:ext cx="876311" cy="876311"/>
+          </a:xfrm>
+          <a:prstGeom prst="ellipse">
+            <a:avLst/>
+          </a:prstGeom>
+          <a:solidFill>
+            <a:schemeClr val="bg2">
+              <a:lumMod val="90000"/>
+            </a:schemeClr>
+          </a:solidFill>
+          <a:ln>
+            <a:solidFill>
+              <a:schemeClr val="accent3">
+                <a:lumMod val="60000"/>
+                <a:lumOff val="40000"/>
+              </a:schemeClr>
+            </a:solidFill>
+          </a:ln>
+        </p:spPr>
+        <p:style>
+          <a:lnRef idx="2">
+            <a:schemeClr val="accent1">
+              <a:shade val="50000"/>
+            </a:schemeClr>
+          </a:lnRef>
+          <a:fillRef idx="1">
+            <a:schemeClr val="accent1"/>
+          </a:fillRef>
+          <a:effectRef idx="0">
+            <a:schemeClr val="accent1"/>
+          </a:effectRef>
+          <a:fontRef idx="minor">
+            <a:schemeClr val="lt1"/>
+          </a:fontRef>
+        </p:style>
+        <p:txBody>
+          <a:bodyPr rtlCol="0" anchor="ctr"/>
+          <a:lstStyle/>
+          <a:p>
+            <a:pPr algn="ctr"/>
+            <a:r>
+              <a:rPr lang="en-US" altLang="zh-CN" sz="900"/>
+              <a:t>pending</a:t>
+            </a:r>
+          </a:p>
+          <a:p>
+            <a:pPr algn="ctr"/>
+            <a:r>
+              <a:rPr lang="en-US" altLang="zh-CN" sz="900"/>
+              <a:t>callback</a:t>
+            </a:r>
+            <a:endParaRPr lang="zh-CN" altLang="en-US" sz="900"/>
+          </a:p>
+        </p:txBody>
+      </p:sp>
+      <p:sp>
+        <p:nvSpPr>
+          <p:cNvPr id="43" name="任意多边形: 形状 42">
+            <a:extLst>
+              <a:ext uri="{FF2B5EF4-FFF2-40B4-BE49-F238E27FC236}">
+                <a16:creationId xmlns:a16="http://schemas.microsoft.com/office/drawing/2014/main" id="{BC0B1FEC-3E86-4D52-879A-D28FB2ED2213}"/>
+              </a:ext>
+            </a:extLst>
+          </p:cNvPr>
+          <p:cNvSpPr/>
+          <p:nvPr/>
+        </p:nvSpPr>
+        <p:spPr>
+          <a:xfrm>
+            <a:off x="5136205" y="1098456"/>
+            <a:ext cx="416611" cy="78591"/>
+          </a:xfrm>
+          <a:custGeom>
+            <a:avLst/>
+            <a:gdLst>
+              <a:gd name="connsiteX0" fmla="*/ 0 w 1478605"/>
+              <a:gd name="connsiteY0" fmla="*/ 29953 h 341238"/>
+              <a:gd name="connsiteX1" fmla="*/ 797668 w 1478605"/>
+              <a:gd name="connsiteY1" fmla="*/ 29953 h 341238"/>
+              <a:gd name="connsiteX2" fmla="*/ 1478605 w 1478605"/>
+              <a:gd name="connsiteY2" fmla="*/ 341238 h 341238"/>
+            </a:gdLst>
+            <a:ahLst/>
+            <a:cxnLst>
+              <a:cxn ang="0">
+                <a:pos x="connsiteX0" y="connsiteY0"/>
+              </a:cxn>
+              <a:cxn ang="0">
+                <a:pos x="connsiteX1" y="connsiteY1"/>
+              </a:cxn>
+              <a:cxn ang="0">
+                <a:pos x="connsiteX2" y="connsiteY2"/>
+              </a:cxn>
+            </a:cxnLst>
+            <a:rect l="l" t="t" r="r" b="b"/>
+            <a:pathLst>
+              <a:path w="1478605" h="341238">
+                <a:moveTo>
+                  <a:pt x="0" y="29953"/>
+                </a:moveTo>
+                <a:cubicBezTo>
+                  <a:pt x="275617" y="4012"/>
+                  <a:pt x="551234" y="-21928"/>
+                  <a:pt x="797668" y="29953"/>
+                </a:cubicBezTo>
+                <a:cubicBezTo>
+                  <a:pt x="1044102" y="81834"/>
+                  <a:pt x="1324584" y="287736"/>
+                  <a:pt x="1478605" y="341238"/>
+                </a:cubicBezTo>
+              </a:path>
+            </a:pathLst>
+          </a:custGeom>
+          <a:noFill/>
+          <a:ln w="38100">
+            <a:tailEnd type="triangle"/>
+          </a:ln>
+        </p:spPr>
+        <p:style>
+          <a:lnRef idx="2">
+            <a:schemeClr val="accent1">
+              <a:shade val="50000"/>
+            </a:schemeClr>
+          </a:lnRef>
+          <a:fillRef idx="1">
+            <a:schemeClr val="accent1"/>
+          </a:fillRef>
+          <a:effectRef idx="0">
+            <a:schemeClr val="accent1"/>
+          </a:effectRef>
+          <a:fontRef idx="minor">
+            <a:schemeClr val="lt1"/>
+          </a:fontRef>
+        </p:style>
+        <p:txBody>
+          <a:bodyPr rtlCol="0" anchor="ctr"/>
+          <a:lstStyle/>
+          <a:p>
+            <a:pPr algn="ctr"/>
+            <a:endParaRPr lang="zh-CN" altLang="en-US"/>
+          </a:p>
+        </p:txBody>
+      </p:sp>
+      <p:sp>
+        <p:nvSpPr>
+          <p:cNvPr id="44" name="椭圆 43">
+            <a:extLst>
+              <a:ext uri="{FF2B5EF4-FFF2-40B4-BE49-F238E27FC236}">
+                <a16:creationId xmlns:a16="http://schemas.microsoft.com/office/drawing/2014/main" id="{568FE43E-AA65-4D6A-AC0C-D3335BBD00EE}"/>
+              </a:ext>
+            </a:extLst>
+          </p:cNvPr>
+          <p:cNvSpPr/>
+          <p:nvPr/>
+        </p:nvSpPr>
+        <p:spPr>
+          <a:xfrm>
+            <a:off x="7013546" y="1536616"/>
+            <a:ext cx="876311" cy="876311"/>
+          </a:xfrm>
+          <a:prstGeom prst="ellipse">
+            <a:avLst/>
+          </a:prstGeom>
+          <a:solidFill>
+            <a:schemeClr val="bg2">
+              <a:lumMod val="90000"/>
+            </a:schemeClr>
+          </a:solidFill>
+          <a:ln>
+            <a:solidFill>
+              <a:schemeClr val="accent3">
+                <a:lumMod val="60000"/>
+                <a:lumOff val="40000"/>
+              </a:schemeClr>
+            </a:solidFill>
+          </a:ln>
+        </p:spPr>
+        <p:style>
+          <a:lnRef idx="2">
+            <a:schemeClr val="accent1">
+              <a:shade val="50000"/>
+            </a:schemeClr>
+          </a:lnRef>
+          <a:fillRef idx="1">
+            <a:schemeClr val="accent1"/>
+          </a:fillRef>
+          <a:effectRef idx="0">
+            <a:schemeClr val="accent1"/>
+          </a:effectRef>
+          <a:fontRef idx="minor">
+            <a:schemeClr val="lt1"/>
+          </a:fontRef>
+        </p:style>
+        <p:txBody>
+          <a:bodyPr rtlCol="0" anchor="ctr"/>
+          <a:lstStyle/>
+          <a:p>
+            <a:pPr algn="ctr"/>
+            <a:r>
+              <a:rPr lang="en-US" altLang="zh-CN" sz="1000"/>
+              <a:t>idle prepare</a:t>
+            </a:r>
+            <a:endParaRPr lang="zh-CN" altLang="en-US" sz="1000"/>
+          </a:p>
+        </p:txBody>
+      </p:sp>
+      <p:sp>
+        <p:nvSpPr>
+          <p:cNvPr id="45" name="任意多边形: 形状 44">
+            <a:extLst>
+              <a:ext uri="{FF2B5EF4-FFF2-40B4-BE49-F238E27FC236}">
+                <a16:creationId xmlns:a16="http://schemas.microsoft.com/office/drawing/2014/main" id="{3C279DE3-73DC-4AA5-84F2-DF6BB80E1BD5}"/>
+              </a:ext>
+            </a:extLst>
+          </p:cNvPr>
+          <p:cNvSpPr/>
+          <p:nvPr/>
+        </p:nvSpPr>
+        <p:spPr>
+          <a:xfrm rot="1254596">
+            <a:off x="6597767" y="1533954"/>
+            <a:ext cx="451490" cy="79285"/>
+          </a:xfrm>
+          <a:custGeom>
+            <a:avLst/>
+            <a:gdLst>
+              <a:gd name="connsiteX0" fmla="*/ 0 w 1478605"/>
+              <a:gd name="connsiteY0" fmla="*/ 29953 h 341238"/>
+              <a:gd name="connsiteX1" fmla="*/ 797668 w 1478605"/>
+              <a:gd name="connsiteY1" fmla="*/ 29953 h 341238"/>
+              <a:gd name="connsiteX2" fmla="*/ 1478605 w 1478605"/>
+              <a:gd name="connsiteY2" fmla="*/ 341238 h 341238"/>
+            </a:gdLst>
+            <a:ahLst/>
+            <a:cxnLst>
+              <a:cxn ang="0">
+                <a:pos x="connsiteX0" y="connsiteY0"/>
+              </a:cxn>
+              <a:cxn ang="0">
+                <a:pos x="connsiteX1" y="connsiteY1"/>
+              </a:cxn>
+              <a:cxn ang="0">
+                <a:pos x="connsiteX2" y="connsiteY2"/>
+              </a:cxn>
+            </a:cxnLst>
+            <a:rect l="l" t="t" r="r" b="b"/>
+            <a:pathLst>
+              <a:path w="1478605" h="341238">
+                <a:moveTo>
+                  <a:pt x="0" y="29953"/>
+                </a:moveTo>
+                <a:cubicBezTo>
+                  <a:pt x="275617" y="4012"/>
+                  <a:pt x="551234" y="-21928"/>
+                  <a:pt x="797668" y="29953"/>
+                </a:cubicBezTo>
+                <a:cubicBezTo>
+                  <a:pt x="1044102" y="81834"/>
+                  <a:pt x="1324584" y="287736"/>
+                  <a:pt x="1478605" y="341238"/>
+                </a:cubicBezTo>
+              </a:path>
+            </a:pathLst>
+          </a:custGeom>
+          <a:noFill/>
+          <a:ln w="38100">
+            <a:tailEnd type="triangle"/>
+          </a:ln>
+        </p:spPr>
+        <p:style>
+          <a:lnRef idx="2">
+            <a:schemeClr val="accent1">
+              <a:shade val="50000"/>
+            </a:schemeClr>
+          </a:lnRef>
+          <a:fillRef idx="1">
+            <a:schemeClr val="accent1"/>
+          </a:fillRef>
+          <a:effectRef idx="0">
+            <a:schemeClr val="accent1"/>
+          </a:effectRef>
+          <a:fontRef idx="minor">
+            <a:schemeClr val="lt1"/>
+          </a:fontRef>
+        </p:style>
+        <p:txBody>
+          <a:bodyPr rtlCol="0" anchor="ctr"/>
+          <a:lstStyle/>
+          <a:p>
+            <a:pPr algn="ctr"/>
+            <a:endParaRPr lang="zh-CN" altLang="en-US"/>
+          </a:p>
+        </p:txBody>
+      </p:sp>
+      <p:sp>
+        <p:nvSpPr>
+          <p:cNvPr id="47" name="椭圆 46">
+            <a:extLst>
+              <a:ext uri="{FF2B5EF4-FFF2-40B4-BE49-F238E27FC236}">
+                <a16:creationId xmlns:a16="http://schemas.microsoft.com/office/drawing/2014/main" id="{2122FE07-31D1-437F-80E9-843A26957756}"/>
+              </a:ext>
+            </a:extLst>
+          </p:cNvPr>
+          <p:cNvSpPr/>
+          <p:nvPr/>
+        </p:nvSpPr>
+        <p:spPr>
+          <a:xfrm>
+            <a:off x="7320470" y="2903546"/>
+            <a:ext cx="1168924" cy="1168924"/>
+          </a:xfrm>
+          <a:prstGeom prst="ellipse">
+            <a:avLst/>
+          </a:prstGeom>
+          <a:solidFill>
+            <a:schemeClr val="tx1"/>
+          </a:solidFill>
+        </p:spPr>
+        <p:style>
+          <a:lnRef idx="2">
+            <a:schemeClr val="accent1">
+              <a:shade val="50000"/>
+            </a:schemeClr>
+          </a:lnRef>
+          <a:fillRef idx="1">
+            <a:schemeClr val="accent1"/>
+          </a:fillRef>
+          <a:effectRef idx="0">
+            <a:schemeClr val="accent1"/>
+          </a:effectRef>
+          <a:fontRef idx="minor">
+            <a:schemeClr val="lt1"/>
+          </a:fontRef>
+        </p:style>
+        <p:txBody>
+          <a:bodyPr rtlCol="0" anchor="ctr"/>
+          <a:lstStyle/>
+          <a:p>
+            <a:pPr algn="ctr"/>
+            <a:r>
+              <a:rPr lang="en-US" altLang="zh-CN"/>
+              <a:t>poll</a:t>
+            </a:r>
+            <a:endParaRPr lang="zh-CN" altLang="en-US"/>
+          </a:p>
+        </p:txBody>
+      </p:sp>
+      <p:sp>
+        <p:nvSpPr>
+          <p:cNvPr id="48" name="任意多边形: 形状 47">
+            <a:extLst>
+              <a:ext uri="{FF2B5EF4-FFF2-40B4-BE49-F238E27FC236}">
+                <a16:creationId xmlns:a16="http://schemas.microsoft.com/office/drawing/2014/main" id="{BB109679-BC27-4CB7-BEC6-DA7D731ADA47}"/>
+              </a:ext>
+            </a:extLst>
+          </p:cNvPr>
+          <p:cNvSpPr/>
+          <p:nvPr/>
+        </p:nvSpPr>
+        <p:spPr>
+          <a:xfrm rot="4508761">
+            <a:off x="7664112" y="2542221"/>
+            <a:ext cx="451490" cy="79285"/>
+          </a:xfrm>
+          <a:custGeom>
+            <a:avLst/>
+            <a:gdLst>
+              <a:gd name="connsiteX0" fmla="*/ 0 w 1478605"/>
+              <a:gd name="connsiteY0" fmla="*/ 29953 h 341238"/>
+              <a:gd name="connsiteX1" fmla="*/ 797668 w 1478605"/>
+              <a:gd name="connsiteY1" fmla="*/ 29953 h 341238"/>
+              <a:gd name="connsiteX2" fmla="*/ 1478605 w 1478605"/>
+              <a:gd name="connsiteY2" fmla="*/ 341238 h 341238"/>
+            </a:gdLst>
+            <a:ahLst/>
+            <a:cxnLst>
+              <a:cxn ang="0">
+                <a:pos x="connsiteX0" y="connsiteY0"/>
+              </a:cxn>
+              <a:cxn ang="0">
+                <a:pos x="connsiteX1" y="connsiteY1"/>
+              </a:cxn>
+              <a:cxn ang="0">
+                <a:pos x="connsiteX2" y="connsiteY2"/>
+              </a:cxn>
+            </a:cxnLst>
+            <a:rect l="l" t="t" r="r" b="b"/>
+            <a:pathLst>
+              <a:path w="1478605" h="341238">
+                <a:moveTo>
+                  <a:pt x="0" y="29953"/>
+                </a:moveTo>
+                <a:cubicBezTo>
+                  <a:pt x="275617" y="4012"/>
+                  <a:pt x="551234" y="-21928"/>
+                  <a:pt x="797668" y="29953"/>
+                </a:cubicBezTo>
+                <a:cubicBezTo>
+                  <a:pt x="1044102" y="81834"/>
+                  <a:pt x="1324584" y="287736"/>
+                  <a:pt x="1478605" y="341238"/>
+                </a:cubicBezTo>
+              </a:path>
+            </a:pathLst>
+          </a:custGeom>
+          <a:noFill/>
+          <a:ln w="38100">
+            <a:tailEnd type="triangle"/>
+          </a:ln>
+        </p:spPr>
+        <p:style>
+          <a:lnRef idx="2">
+            <a:schemeClr val="accent1">
+              <a:shade val="50000"/>
+            </a:schemeClr>
+          </a:lnRef>
+          <a:fillRef idx="1">
+            <a:schemeClr val="accent1"/>
+          </a:fillRef>
+          <a:effectRef idx="0">
+            <a:schemeClr val="accent1"/>
+          </a:effectRef>
+          <a:fontRef idx="minor">
+            <a:schemeClr val="lt1"/>
+          </a:fontRef>
+        </p:style>
+        <p:txBody>
+          <a:bodyPr rtlCol="0" anchor="ctr"/>
+          <a:lstStyle/>
+          <a:p>
+            <a:pPr algn="ctr"/>
+            <a:endParaRPr lang="zh-CN" altLang="en-US"/>
+          </a:p>
+        </p:txBody>
+      </p:sp>
+      <p:sp>
+        <p:nvSpPr>
+          <p:cNvPr id="49" name="任意多边形: 形状 48">
+            <a:extLst>
+              <a:ext uri="{FF2B5EF4-FFF2-40B4-BE49-F238E27FC236}">
+                <a16:creationId xmlns:a16="http://schemas.microsoft.com/office/drawing/2014/main" id="{93068F68-05E5-4345-8BA4-1D3D07308ED8}"/>
+              </a:ext>
+            </a:extLst>
+          </p:cNvPr>
+          <p:cNvSpPr/>
+          <p:nvPr/>
+        </p:nvSpPr>
+        <p:spPr>
+          <a:xfrm rot="6898116">
+            <a:off x="7225955" y="4405430"/>
+            <a:ext cx="451490" cy="79285"/>
+          </a:xfrm>
+          <a:custGeom>
+            <a:avLst/>
+            <a:gdLst>
+              <a:gd name="connsiteX0" fmla="*/ 0 w 1478605"/>
+              <a:gd name="connsiteY0" fmla="*/ 29953 h 341238"/>
+              <a:gd name="connsiteX1" fmla="*/ 797668 w 1478605"/>
+              <a:gd name="connsiteY1" fmla="*/ 29953 h 341238"/>
+              <a:gd name="connsiteX2" fmla="*/ 1478605 w 1478605"/>
+              <a:gd name="connsiteY2" fmla="*/ 341238 h 341238"/>
+            </a:gdLst>
+            <a:ahLst/>
+            <a:cxnLst>
+              <a:cxn ang="0">
+                <a:pos x="connsiteX0" y="connsiteY0"/>
+              </a:cxn>
+              <a:cxn ang="0">
+                <a:pos x="connsiteX1" y="connsiteY1"/>
+              </a:cxn>
+              <a:cxn ang="0">
+                <a:pos x="connsiteX2" y="connsiteY2"/>
+              </a:cxn>
+            </a:cxnLst>
+            <a:rect l="l" t="t" r="r" b="b"/>
+            <a:pathLst>
+              <a:path w="1478605" h="341238">
+                <a:moveTo>
+                  <a:pt x="0" y="29953"/>
+                </a:moveTo>
+                <a:cubicBezTo>
+                  <a:pt x="275617" y="4012"/>
+                  <a:pt x="551234" y="-21928"/>
+                  <a:pt x="797668" y="29953"/>
+                </a:cubicBezTo>
+                <a:cubicBezTo>
+                  <a:pt x="1044102" y="81834"/>
+                  <a:pt x="1324584" y="287736"/>
+                  <a:pt x="1478605" y="341238"/>
+                </a:cubicBezTo>
+              </a:path>
+            </a:pathLst>
+          </a:custGeom>
+          <a:noFill/>
+          <a:ln w="38100">
+            <a:tailEnd type="triangle"/>
+          </a:ln>
+        </p:spPr>
+        <p:style>
+          <a:lnRef idx="2">
+            <a:schemeClr val="accent1">
+              <a:shade val="50000"/>
+            </a:schemeClr>
+          </a:lnRef>
+          <a:fillRef idx="1">
+            <a:schemeClr val="accent1"/>
+          </a:fillRef>
+          <a:effectRef idx="0">
+            <a:schemeClr val="accent1"/>
+          </a:effectRef>
+          <a:fontRef idx="minor">
+            <a:schemeClr val="lt1"/>
+          </a:fontRef>
+        </p:style>
+        <p:txBody>
+          <a:bodyPr rtlCol="0" anchor="ctr"/>
+          <a:lstStyle/>
+          <a:p>
+            <a:pPr algn="ctr"/>
+            <a:endParaRPr lang="zh-CN" altLang="en-US"/>
+          </a:p>
+        </p:txBody>
+      </p:sp>
+      <p:sp>
+        <p:nvSpPr>
+          <p:cNvPr id="50" name="椭圆 49">
+            <a:extLst>
+              <a:ext uri="{FF2B5EF4-FFF2-40B4-BE49-F238E27FC236}">
+                <a16:creationId xmlns:a16="http://schemas.microsoft.com/office/drawing/2014/main" id="{F736CF01-39E2-4CDA-8D48-5169B2747530}"/>
+              </a:ext>
+            </a:extLst>
+          </p:cNvPr>
+          <p:cNvSpPr/>
+          <p:nvPr/>
+        </p:nvSpPr>
+        <p:spPr>
+          <a:xfrm>
+            <a:off x="6014023" y="4475784"/>
+            <a:ext cx="1168924" cy="1168924"/>
+          </a:xfrm>
+          <a:prstGeom prst="ellipse">
+            <a:avLst/>
+          </a:prstGeom>
+          <a:solidFill>
+            <a:schemeClr val="tx1">
+              <a:lumMod val="65000"/>
+              <a:lumOff val="35000"/>
+            </a:schemeClr>
+          </a:solidFill>
+        </p:spPr>
+        <p:style>
+          <a:lnRef idx="2">
+            <a:schemeClr val="accent1">
+              <a:shade val="50000"/>
+            </a:schemeClr>
+          </a:lnRef>
+          <a:fillRef idx="1">
+            <a:schemeClr val="accent1"/>
+          </a:fillRef>
+          <a:effectRef idx="0">
+            <a:schemeClr val="accent1"/>
+          </a:effectRef>
+          <a:fontRef idx="minor">
+            <a:schemeClr val="lt1"/>
+          </a:fontRef>
+        </p:style>
+        <p:txBody>
+          <a:bodyPr rtlCol="0" anchor="ctr"/>
+          <a:lstStyle/>
+          <a:p>
+            <a:pPr algn="ctr"/>
+            <a:r>
+              <a:rPr lang="en-US" altLang="zh-CN"/>
+              <a:t>check</a:t>
+            </a:r>
+            <a:endParaRPr lang="zh-CN" altLang="en-US"/>
+          </a:p>
+        </p:txBody>
+      </p:sp>
+      <p:sp>
+        <p:nvSpPr>
+          <p:cNvPr id="51" name="任意多边形: 形状 50">
+            <a:extLst>
+              <a:ext uri="{FF2B5EF4-FFF2-40B4-BE49-F238E27FC236}">
+                <a16:creationId xmlns:a16="http://schemas.microsoft.com/office/drawing/2014/main" id="{E5835801-BF63-4D2F-9765-D91697E4A274}"/>
+              </a:ext>
+            </a:extLst>
+          </p:cNvPr>
+          <p:cNvSpPr/>
+          <p:nvPr/>
+        </p:nvSpPr>
+        <p:spPr>
+          <a:xfrm rot="9912454">
+            <a:off x="5000051" y="5287137"/>
+            <a:ext cx="844866" cy="232833"/>
+          </a:xfrm>
+          <a:custGeom>
+            <a:avLst/>
+            <a:gdLst>
+              <a:gd name="connsiteX0" fmla="*/ 0 w 1478605"/>
+              <a:gd name="connsiteY0" fmla="*/ 29953 h 341238"/>
+              <a:gd name="connsiteX1" fmla="*/ 797668 w 1478605"/>
+              <a:gd name="connsiteY1" fmla="*/ 29953 h 341238"/>
+              <a:gd name="connsiteX2" fmla="*/ 1478605 w 1478605"/>
+              <a:gd name="connsiteY2" fmla="*/ 341238 h 341238"/>
+            </a:gdLst>
+            <a:ahLst/>
+            <a:cxnLst>
+              <a:cxn ang="0">
+                <a:pos x="connsiteX0" y="connsiteY0"/>
+              </a:cxn>
+              <a:cxn ang="0">
+                <a:pos x="connsiteX1" y="connsiteY1"/>
+              </a:cxn>
+              <a:cxn ang="0">
+                <a:pos x="connsiteX2" y="connsiteY2"/>
+              </a:cxn>
+            </a:cxnLst>
+            <a:rect l="l" t="t" r="r" b="b"/>
+            <a:pathLst>
+              <a:path w="1478605" h="341238">
+                <a:moveTo>
+                  <a:pt x="0" y="29953"/>
+                </a:moveTo>
+                <a:cubicBezTo>
+                  <a:pt x="275617" y="4012"/>
+                  <a:pt x="551234" y="-21928"/>
+                  <a:pt x="797668" y="29953"/>
+                </a:cubicBezTo>
+                <a:cubicBezTo>
+                  <a:pt x="1044102" y="81834"/>
+                  <a:pt x="1324584" y="287736"/>
+                  <a:pt x="1478605" y="341238"/>
+                </a:cubicBezTo>
+              </a:path>
+            </a:pathLst>
+          </a:custGeom>
+          <a:noFill/>
+          <a:ln w="38100">
+            <a:tailEnd type="triangle"/>
+          </a:ln>
+        </p:spPr>
+        <p:style>
+          <a:lnRef idx="2">
+            <a:schemeClr val="accent1">
+              <a:shade val="50000"/>
+            </a:schemeClr>
+          </a:lnRef>
+          <a:fillRef idx="1">
+            <a:schemeClr val="accent1"/>
+          </a:fillRef>
+          <a:effectRef idx="0">
+            <a:schemeClr val="accent1"/>
+          </a:effectRef>
+          <a:fontRef idx="minor">
+            <a:schemeClr val="lt1"/>
+          </a:fontRef>
+        </p:style>
+        <p:txBody>
+          <a:bodyPr rtlCol="0" anchor="ctr"/>
+          <a:lstStyle/>
+          <a:p>
+            <a:pPr algn="ctr"/>
+            <a:endParaRPr lang="zh-CN" altLang="en-US"/>
+          </a:p>
+        </p:txBody>
+      </p:sp>
+      <p:sp>
+        <p:nvSpPr>
+          <p:cNvPr id="52" name="椭圆 51">
+            <a:extLst>
+              <a:ext uri="{FF2B5EF4-FFF2-40B4-BE49-F238E27FC236}">
+                <a16:creationId xmlns:a16="http://schemas.microsoft.com/office/drawing/2014/main" id="{7B2810A0-6AD5-4083-AF4A-BA2A570E128F}"/>
+              </a:ext>
+            </a:extLst>
+          </p:cNvPr>
+          <p:cNvSpPr/>
+          <p:nvPr/>
+        </p:nvSpPr>
+        <p:spPr>
+          <a:xfrm>
+            <a:off x="3883187" y="4686806"/>
+            <a:ext cx="1050891" cy="1050891"/>
+          </a:xfrm>
+          <a:prstGeom prst="ellipse">
+            <a:avLst/>
+          </a:prstGeom>
+          <a:solidFill>
+            <a:schemeClr val="bg2">
+              <a:lumMod val="90000"/>
+            </a:schemeClr>
+          </a:solidFill>
+          <a:ln>
+            <a:solidFill>
+              <a:schemeClr val="accent3">
+                <a:lumMod val="60000"/>
+                <a:lumOff val="40000"/>
+              </a:schemeClr>
+            </a:solidFill>
+          </a:ln>
+        </p:spPr>
+        <p:style>
+          <a:lnRef idx="2">
+            <a:schemeClr val="accent1">
+              <a:shade val="50000"/>
+            </a:schemeClr>
+          </a:lnRef>
+          <a:fillRef idx="1">
+            <a:schemeClr val="accent1"/>
+          </a:fillRef>
+          <a:effectRef idx="0">
+            <a:schemeClr val="accent1"/>
+          </a:effectRef>
+          <a:fontRef idx="minor">
+            <a:schemeClr val="lt1"/>
+          </a:fontRef>
+        </p:style>
+        <p:txBody>
+          <a:bodyPr rtlCol="0" anchor="ctr"/>
+          <a:lstStyle/>
+          <a:p>
+            <a:pPr algn="ctr"/>
+            <a:r>
+              <a:rPr lang="en-US" altLang="zh-CN" sz="1000"/>
+              <a:t>close callbacks</a:t>
+            </a:r>
+            <a:endParaRPr lang="zh-CN" altLang="en-US" sz="1000"/>
+          </a:p>
+        </p:txBody>
+      </p:sp>
+      <p:sp>
+        <p:nvSpPr>
+          <p:cNvPr id="54" name="任意多边形: 形状 53">
+            <a:extLst>
+              <a:ext uri="{FF2B5EF4-FFF2-40B4-BE49-F238E27FC236}">
+                <a16:creationId xmlns:a16="http://schemas.microsoft.com/office/drawing/2014/main" id="{E2DDFBA6-BB8C-4F5F-B979-3432F7C38992}"/>
+              </a:ext>
+            </a:extLst>
+          </p:cNvPr>
+          <p:cNvSpPr/>
+          <p:nvPr/>
+        </p:nvSpPr>
+        <p:spPr>
+          <a:xfrm rot="15732292">
+            <a:off x="2093187" y="3699298"/>
+            <a:ext cx="1674369" cy="1293778"/>
+          </a:xfrm>
+          <a:custGeom>
+            <a:avLst/>
+            <a:gdLst>
+              <a:gd name="connsiteX0" fmla="*/ 0 w 1391055"/>
+              <a:gd name="connsiteY0" fmla="*/ 1293778 h 1293778"/>
+              <a:gd name="connsiteX1" fmla="*/ 447472 w 1391055"/>
+              <a:gd name="connsiteY1" fmla="*/ 428017 h 1293778"/>
+              <a:gd name="connsiteX2" fmla="*/ 1391055 w 1391055"/>
+              <a:gd name="connsiteY2" fmla="*/ 0 h 1293778"/>
+            </a:gdLst>
+            <a:ahLst/>
+            <a:cxnLst>
+              <a:cxn ang="0">
+                <a:pos x="connsiteX0" y="connsiteY0"/>
+              </a:cxn>
+              <a:cxn ang="0">
+                <a:pos x="connsiteX1" y="connsiteY1"/>
+              </a:cxn>
+              <a:cxn ang="0">
+                <a:pos x="connsiteX2" y="connsiteY2"/>
+              </a:cxn>
+            </a:cxnLst>
+            <a:rect l="l" t="t" r="r" b="b"/>
+            <a:pathLst>
+              <a:path w="1391055" h="1293778">
+                <a:moveTo>
+                  <a:pt x="0" y="1293778"/>
+                </a:moveTo>
+                <a:cubicBezTo>
+                  <a:pt x="107815" y="968712"/>
+                  <a:pt x="215630" y="643647"/>
+                  <a:pt x="447472" y="428017"/>
+                </a:cubicBezTo>
+                <a:cubicBezTo>
+                  <a:pt x="679315" y="212387"/>
+                  <a:pt x="1220821" y="69715"/>
+                  <a:pt x="1391055" y="0"/>
+                </a:cubicBezTo>
+              </a:path>
+            </a:pathLst>
+          </a:custGeom>
+          <a:noFill/>
+          <a:ln w="38100">
+            <a:tailEnd type="triangle"/>
+          </a:ln>
+        </p:spPr>
+        <p:style>
+          <a:lnRef idx="2">
+            <a:schemeClr val="accent1">
+              <a:shade val="50000"/>
+            </a:schemeClr>
+          </a:lnRef>
+          <a:fillRef idx="1">
+            <a:schemeClr val="accent1"/>
+          </a:fillRef>
+          <a:effectRef idx="0">
+            <a:schemeClr val="accent1"/>
+          </a:effectRef>
+          <a:fontRef idx="minor">
+            <a:schemeClr val="lt1"/>
+          </a:fontRef>
+        </p:style>
+        <p:txBody>
+          <a:bodyPr rtlCol="0" anchor="ctr"/>
+          <a:lstStyle/>
+          <a:p>
+            <a:pPr algn="ctr"/>
+            <a:endParaRPr lang="zh-CN" altLang="en-US"/>
+          </a:p>
+        </p:txBody>
+      </p:sp>
+      <p:sp>
+        <p:nvSpPr>
+          <p:cNvPr id="55" name="矩形 54">
+            <a:extLst>
+              <a:ext uri="{FF2B5EF4-FFF2-40B4-BE49-F238E27FC236}">
+                <a16:creationId xmlns:a16="http://schemas.microsoft.com/office/drawing/2014/main" id="{72FF10F4-8224-420B-ABDF-CA8B2BCB2A8B}"/>
+              </a:ext>
+            </a:extLst>
+          </p:cNvPr>
+          <p:cNvSpPr/>
+          <p:nvPr/>
+        </p:nvSpPr>
+        <p:spPr>
+          <a:xfrm>
+            <a:off x="3607853" y="2539478"/>
+            <a:ext cx="2652450" cy="535022"/>
+          </a:xfrm>
+          <a:prstGeom prst="rect">
+            <a:avLst/>
+          </a:prstGeom>
+          <a:solidFill>
+            <a:schemeClr val="accent2"/>
+          </a:solidFill>
+          <a:ln>
+            <a:solidFill>
+              <a:schemeClr val="accent2">
+                <a:lumMod val="50000"/>
+              </a:schemeClr>
+            </a:solidFill>
+          </a:ln>
+        </p:spPr>
+        <p:style>
+          <a:lnRef idx="2">
+            <a:schemeClr val="accent1">
+              <a:shade val="50000"/>
+            </a:schemeClr>
+          </a:lnRef>
+          <a:fillRef idx="1">
+            <a:schemeClr val="accent1"/>
+          </a:fillRef>
+          <a:effectRef idx="0">
+            <a:schemeClr val="accent1"/>
+          </a:effectRef>
+          <a:fontRef idx="minor">
+            <a:schemeClr val="lt1"/>
+          </a:fontRef>
+        </p:style>
+        <p:txBody>
+          <a:bodyPr rtlCol="0" anchor="ctr"/>
+          <a:lstStyle/>
+          <a:p>
+            <a:pPr algn="ctr"/>
+            <a:r>
+              <a:rPr lang="en-US" altLang="zh-CN"/>
+              <a:t>nextTick</a:t>
+            </a:r>
+            <a:endParaRPr lang="zh-CN" altLang="en-US"/>
+          </a:p>
+        </p:txBody>
+      </p:sp>
+      <p:sp>
+        <p:nvSpPr>
+          <p:cNvPr id="56" name="矩形 55">
+            <a:extLst>
+              <a:ext uri="{FF2B5EF4-FFF2-40B4-BE49-F238E27FC236}">
+                <a16:creationId xmlns:a16="http://schemas.microsoft.com/office/drawing/2014/main" id="{0B058269-C89E-4D05-BD52-163C54FF9466}"/>
+              </a:ext>
+            </a:extLst>
+          </p:cNvPr>
+          <p:cNvSpPr/>
+          <p:nvPr/>
+        </p:nvSpPr>
+        <p:spPr>
+          <a:xfrm>
+            <a:off x="3607853" y="3356935"/>
+            <a:ext cx="2652450" cy="535022"/>
+          </a:xfrm>
+          <a:prstGeom prst="rect">
+            <a:avLst/>
+          </a:prstGeom>
+          <a:solidFill>
+            <a:schemeClr val="accent2"/>
+          </a:solidFill>
+          <a:ln>
+            <a:solidFill>
+              <a:schemeClr val="accent2">
+                <a:lumMod val="50000"/>
+              </a:schemeClr>
+            </a:solidFill>
+          </a:ln>
+        </p:spPr>
+        <p:style>
+          <a:lnRef idx="2">
+            <a:schemeClr val="accent1">
+              <a:shade val="50000"/>
+            </a:schemeClr>
+          </a:lnRef>
+          <a:fillRef idx="1">
+            <a:schemeClr val="accent1"/>
+          </a:fillRef>
+          <a:effectRef idx="0">
+            <a:schemeClr val="accent1"/>
+          </a:effectRef>
+          <a:fontRef idx="minor">
+            <a:schemeClr val="lt1"/>
+          </a:fontRef>
+        </p:style>
+        <p:txBody>
+          <a:bodyPr rtlCol="0" anchor="ctr"/>
+          <a:lstStyle/>
+          <a:p>
+            <a:pPr algn="ctr"/>
+            <a:r>
+              <a:rPr lang="en-US" altLang="zh-CN"/>
+              <a:t>Promise</a:t>
+            </a:r>
+            <a:endParaRPr lang="zh-CN" altLang="en-US"/>
+          </a:p>
+        </p:txBody>
+      </p:sp>
+      <p:sp>
+        <p:nvSpPr>
+          <p:cNvPr id="63" name="文本框 62">
+            <a:extLst>
+              <a:ext uri="{FF2B5EF4-FFF2-40B4-BE49-F238E27FC236}">
+                <a16:creationId xmlns:a16="http://schemas.microsoft.com/office/drawing/2014/main" id="{2E25EF66-3C11-4ADB-974C-A54C5AD8DEEF}"/>
+              </a:ext>
+            </a:extLst>
+          </p:cNvPr>
+          <p:cNvSpPr txBox="1"/>
+          <p:nvPr/>
+        </p:nvSpPr>
+        <p:spPr>
+          <a:xfrm>
+            <a:off x="7351604" y="5183140"/>
+            <a:ext cx="442064" cy="369332"/>
+          </a:xfrm>
+          <a:prstGeom prst="rect">
+            <a:avLst/>
+          </a:prstGeom>
+          <a:noFill/>
+        </p:spPr>
+        <p:txBody>
+          <a:bodyPr wrap="square" rtlCol="0">
+            <a:spAutoFit/>
+          </a:bodyPr>
+          <a:lstStyle/>
+          <a:p>
+            <a:r>
+              <a:rPr lang="en-US" altLang="zh-CN"/>
+              <a:t>1</a:t>
+            </a:r>
+            <a:endParaRPr lang="zh-CN" altLang="en-US"/>
+          </a:p>
+        </p:txBody>
+      </p:sp>
     </p:spTree>
     <p:extLst>
       <p:ext uri="{BB962C8B-B14F-4D97-AF65-F5344CB8AC3E}">
